--- a/jackhack2019_opening.pptx
+++ b/jackhack2019_opening.pptx
@@ -5,7 +5,7 @@
     <p:sldMasterId id="2147483648" r:id="rId1"/>
   </p:sldMasterIdLst>
   <p:notesMasterIdLst>
-    <p:notesMasterId r:id="rId14"/>
+    <p:notesMasterId r:id="rId15"/>
   </p:notesMasterIdLst>
   <p:sldIdLst>
     <p:sldId id="256" r:id="rId2"/>
@@ -13,13 +13,14 @@
     <p:sldId id="265" r:id="rId4"/>
     <p:sldId id="264" r:id="rId5"/>
     <p:sldId id="262" r:id="rId6"/>
-    <p:sldId id="257" r:id="rId7"/>
-    <p:sldId id="259" r:id="rId8"/>
-    <p:sldId id="266" r:id="rId9"/>
-    <p:sldId id="268" r:id="rId10"/>
-    <p:sldId id="258" r:id="rId11"/>
-    <p:sldId id="267" r:id="rId12"/>
-    <p:sldId id="261" r:id="rId13"/>
+    <p:sldId id="269" r:id="rId7"/>
+    <p:sldId id="257" r:id="rId8"/>
+    <p:sldId id="259" r:id="rId9"/>
+    <p:sldId id="266" r:id="rId10"/>
+    <p:sldId id="268" r:id="rId11"/>
+    <p:sldId id="258" r:id="rId12"/>
+    <p:sldId id="267" r:id="rId13"/>
+    <p:sldId id="261" r:id="rId14"/>
   </p:sldIdLst>
   <p:sldSz cx="12192000" cy="6858000"/>
   <p:notesSz cx="6858000" cy="9144000"/>
@@ -208,7 +209,7 @@
           <a:p>
             <a:fld id="{044E776A-FE8C-FF46-A874-CC3A365D9B18}" type="datetimeFigureOut">
               <a:rPr kumimoji="1" lang="ja-JP" altLang="en-US" smtClean="0"/>
-              <a:t>2019/4/24</a:t>
+              <a:t>2019/5/1</a:t>
             </a:fld>
             <a:endParaRPr kumimoji="1" lang="ja-JP" altLang="en-US"/>
           </a:p>
@@ -720,7 +721,7 @@
           <a:p>
             <a:fld id="{A544B129-325A-4648-B080-F98DADD1A2A8}" type="datetimeFigureOut">
               <a:rPr kumimoji="1" lang="ja-JP" altLang="en-US" smtClean="0"/>
-              <a:t>2019/4/24</a:t>
+              <a:t>2019/5/1</a:t>
             </a:fld>
             <a:endParaRPr kumimoji="1" lang="ja-JP" altLang="en-US"/>
           </a:p>
@@ -920,7 +921,7 @@
           <a:p>
             <a:fld id="{A544B129-325A-4648-B080-F98DADD1A2A8}" type="datetimeFigureOut">
               <a:rPr kumimoji="1" lang="ja-JP" altLang="en-US" smtClean="0"/>
-              <a:t>2019/4/24</a:t>
+              <a:t>2019/5/1</a:t>
             </a:fld>
             <a:endParaRPr kumimoji="1" lang="ja-JP" altLang="en-US"/>
           </a:p>
@@ -1130,7 +1131,7 @@
           <a:p>
             <a:fld id="{A544B129-325A-4648-B080-F98DADD1A2A8}" type="datetimeFigureOut">
               <a:rPr kumimoji="1" lang="ja-JP" altLang="en-US" smtClean="0"/>
-              <a:t>2019/4/24</a:t>
+              <a:t>2019/5/1</a:t>
             </a:fld>
             <a:endParaRPr kumimoji="1" lang="ja-JP" altLang="en-US"/>
           </a:p>
@@ -1330,7 +1331,7 @@
           <a:p>
             <a:fld id="{A544B129-325A-4648-B080-F98DADD1A2A8}" type="datetimeFigureOut">
               <a:rPr kumimoji="1" lang="ja-JP" altLang="en-US" smtClean="0"/>
-              <a:t>2019/4/24</a:t>
+              <a:t>2019/5/1</a:t>
             </a:fld>
             <a:endParaRPr kumimoji="1" lang="ja-JP" altLang="en-US"/>
           </a:p>
@@ -1575,7 +1576,7 @@
           <a:p>
             <a:fld id="{A544B129-325A-4648-B080-F98DADD1A2A8}" type="datetimeFigureOut">
               <a:rPr kumimoji="1" lang="ja-JP" altLang="en-US" smtClean="0"/>
-              <a:t>2019/4/24</a:t>
+              <a:t>2019/5/1</a:t>
             </a:fld>
             <a:endParaRPr kumimoji="1" lang="ja-JP" altLang="en-US"/>
           </a:p>
@@ -1868,7 +1869,7 @@
           <a:p>
             <a:fld id="{A544B129-325A-4648-B080-F98DADD1A2A8}" type="datetimeFigureOut">
               <a:rPr kumimoji="1" lang="ja-JP" altLang="en-US" smtClean="0"/>
-              <a:t>2019/4/24</a:t>
+              <a:t>2019/5/1</a:t>
             </a:fld>
             <a:endParaRPr kumimoji="1" lang="ja-JP" altLang="en-US"/>
           </a:p>
@@ -2296,7 +2297,7 @@
           <a:p>
             <a:fld id="{A544B129-325A-4648-B080-F98DADD1A2A8}" type="datetimeFigureOut">
               <a:rPr kumimoji="1" lang="ja-JP" altLang="en-US" smtClean="0"/>
-              <a:t>2019/4/24</a:t>
+              <a:t>2019/5/1</a:t>
             </a:fld>
             <a:endParaRPr kumimoji="1" lang="ja-JP" altLang="en-US"/>
           </a:p>
@@ -2413,7 +2414,7 @@
           <a:p>
             <a:fld id="{A544B129-325A-4648-B080-F98DADD1A2A8}" type="datetimeFigureOut">
               <a:rPr kumimoji="1" lang="ja-JP" altLang="en-US" smtClean="0"/>
-              <a:t>2019/4/24</a:t>
+              <a:t>2019/5/1</a:t>
             </a:fld>
             <a:endParaRPr kumimoji="1" lang="ja-JP" altLang="en-US"/>
           </a:p>
@@ -2508,7 +2509,7 @@
           <a:p>
             <a:fld id="{A544B129-325A-4648-B080-F98DADD1A2A8}" type="datetimeFigureOut">
               <a:rPr kumimoji="1" lang="ja-JP" altLang="en-US" smtClean="0"/>
-              <a:t>2019/4/24</a:t>
+              <a:t>2019/5/1</a:t>
             </a:fld>
             <a:endParaRPr kumimoji="1" lang="ja-JP" altLang="en-US"/>
           </a:p>
@@ -2815,7 +2816,7 @@
           <a:p>
             <a:fld id="{A544B129-325A-4648-B080-F98DADD1A2A8}" type="datetimeFigureOut">
               <a:rPr kumimoji="1" lang="ja-JP" altLang="en-US" smtClean="0"/>
-              <a:t>2019/4/24</a:t>
+              <a:t>2019/5/1</a:t>
             </a:fld>
             <a:endParaRPr kumimoji="1" lang="ja-JP" altLang="en-US"/>
           </a:p>
@@ -3067,7 +3068,7 @@
           <a:p>
             <a:fld id="{A544B129-325A-4648-B080-F98DADD1A2A8}" type="datetimeFigureOut">
               <a:rPr kumimoji="1" lang="ja-JP" altLang="en-US" smtClean="0"/>
-              <a:t>2019/4/24</a:t>
+              <a:t>2019/5/1</a:t>
             </a:fld>
             <a:endParaRPr kumimoji="1" lang="ja-JP" altLang="en-US"/>
           </a:p>
@@ -3316,7 +3317,7 @@
           <a:p>
             <a:fld id="{A544B129-325A-4648-B080-F98DADD1A2A8}" type="datetimeFigureOut">
               <a:rPr kumimoji="1" lang="ja-JP" altLang="en-US" smtClean="0"/>
-              <a:t>2019/4/24</a:t>
+              <a:t>2019/5/1</a:t>
             </a:fld>
             <a:endParaRPr kumimoji="1" lang="ja-JP" altLang="en-US"/>
           </a:p>
@@ -3835,6 +3836,242 @@
 </file>
 
 <file path=ppt/slides/slide10.xml><?xml version="1.0" encoding="utf-8"?>
+<p:sld xmlns:a="http://schemas.openxmlformats.org/drawingml/2006/main" xmlns:r="http://schemas.openxmlformats.org/officeDocument/2006/relationships" xmlns:p="http://schemas.openxmlformats.org/presentationml/2006/main">
+  <p:cSld>
+    <p:spTree>
+      <p:nvGrpSpPr>
+        <p:cNvPr id="1" name=""/>
+        <p:cNvGrpSpPr/>
+        <p:nvPr/>
+      </p:nvGrpSpPr>
+      <p:grpSpPr>
+        <a:xfrm>
+          <a:off x="0" y="0"/>
+          <a:ext cx="0" cy="0"/>
+          <a:chOff x="0" y="0"/>
+          <a:chExt cx="0" cy="0"/>
+        </a:xfrm>
+      </p:grpSpPr>
+      <p:sp>
+        <p:nvSpPr>
+          <p:cNvPr id="5" name="テキスト ボックス 4"/>
+          <p:cNvSpPr txBox="1"/>
+          <p:nvPr/>
+        </p:nvSpPr>
+        <p:spPr>
+          <a:xfrm>
+            <a:off x="4618670" y="448594"/>
+            <a:ext cx="2954655" cy="1107996"/>
+          </a:xfrm>
+          <a:prstGeom prst="rect">
+            <a:avLst/>
+          </a:prstGeom>
+          <a:noFill/>
+        </p:spPr>
+        <p:txBody>
+          <a:bodyPr wrap="none" rtlCol="0">
+            <a:spAutoFit/>
+          </a:bodyPr>
+          <a:lstStyle/>
+          <a:p>
+            <a:pPr algn="ctr"/>
+            <a:r>
+              <a:rPr kumimoji="1" lang="ja-JP" altLang="en-US" sz="6600" b="1" spc="600" dirty="0">
+                <a:solidFill>
+                  <a:schemeClr val="bg1"/>
+                </a:solidFill>
+                <a:latin typeface="Yu Gothic" charset="-128"/>
+                <a:ea typeface="Yu Gothic" charset="-128"/>
+                <a:cs typeface="Yu Gothic" charset="-128"/>
+              </a:rPr>
+              <a:t>ルール</a:t>
+            </a:r>
+          </a:p>
+        </p:txBody>
+      </p:sp>
+      <p:sp>
+        <p:nvSpPr>
+          <p:cNvPr id="2" name="テキスト ボックス 1">
+            <a:extLst>
+              <a:ext uri="{FF2B5EF4-FFF2-40B4-BE49-F238E27FC236}">
+                <a16:creationId xmlns:a16="http://schemas.microsoft.com/office/drawing/2014/main" id="{D03B34FC-6D8D-41A8-BE8C-605B92D7F61C}"/>
+              </a:ext>
+            </a:extLst>
+          </p:cNvPr>
+          <p:cNvSpPr txBox="1"/>
+          <p:nvPr/>
+        </p:nvSpPr>
+        <p:spPr>
+          <a:xfrm>
+            <a:off x="1082485" y="1286435"/>
+            <a:ext cx="10027023" cy="4396845"/>
+          </a:xfrm>
+          <a:prstGeom prst="rect">
+            <a:avLst/>
+          </a:prstGeom>
+          <a:noFill/>
+        </p:spPr>
+        <p:txBody>
+          <a:bodyPr wrap="square" rtlCol="0">
+            <a:spAutoFit/>
+          </a:bodyPr>
+          <a:lstStyle/>
+          <a:p>
+            <a:pPr>
+              <a:lnSpc>
+                <a:spcPct val="200000"/>
+              </a:lnSpc>
+            </a:pPr>
+            <a:r>
+              <a:rPr kumimoji="1" lang="ja-JP" altLang="en-US" sz="4400" b="1" dirty="0">
+                <a:solidFill>
+                  <a:schemeClr val="bg1"/>
+                </a:solidFill>
+              </a:rPr>
+              <a:t>・持ち物は</a:t>
+            </a:r>
+            <a:r>
+              <a:rPr lang="en-US" altLang="ja-JP" sz="4400" b="1" dirty="0">
+                <a:solidFill>
+                  <a:schemeClr val="bg1"/>
+                </a:solidFill>
+              </a:rPr>
+              <a:t>B5</a:t>
+            </a:r>
+            <a:r>
+              <a:rPr kumimoji="1" lang="ja-JP" altLang="en-US" sz="4400" b="1" dirty="0">
+                <a:solidFill>
+                  <a:schemeClr val="bg1"/>
+                </a:solidFill>
+              </a:rPr>
+              <a:t>の紙</a:t>
+            </a:r>
+            <a:r>
+              <a:rPr kumimoji="1" lang="en-US" altLang="ja-JP" sz="4400" b="1" dirty="0">
+                <a:solidFill>
+                  <a:schemeClr val="bg1"/>
+                </a:solidFill>
+              </a:rPr>
+              <a:t>2</a:t>
+            </a:r>
+            <a:r>
+              <a:rPr kumimoji="1" lang="ja-JP" altLang="en-US" sz="4400" b="1" dirty="0">
+                <a:solidFill>
+                  <a:schemeClr val="bg1"/>
+                </a:solidFill>
+              </a:rPr>
+              <a:t>枚とドミノ</a:t>
+            </a:r>
+            <a:r>
+              <a:rPr lang="en-US" altLang="ja-JP" sz="4400" b="1" dirty="0">
+                <a:solidFill>
+                  <a:schemeClr val="bg1"/>
+                </a:solidFill>
+              </a:rPr>
+              <a:t>12</a:t>
+            </a:r>
+            <a:r>
+              <a:rPr kumimoji="1" lang="ja-JP" altLang="en-US" sz="4400" b="1" dirty="0">
+                <a:solidFill>
+                  <a:schemeClr val="bg1"/>
+                </a:solidFill>
+              </a:rPr>
+              <a:t>枚</a:t>
+            </a:r>
+            <a:endParaRPr lang="en-US" altLang="ja-JP" sz="4400" b="1" dirty="0">
+              <a:solidFill>
+                <a:schemeClr val="bg1"/>
+              </a:solidFill>
+            </a:endParaRPr>
+          </a:p>
+          <a:p>
+            <a:pPr>
+              <a:lnSpc>
+                <a:spcPct val="150000"/>
+              </a:lnSpc>
+            </a:pPr>
+            <a:r>
+              <a:rPr lang="ja-JP" altLang="en-US" sz="4400" b="1" dirty="0">
+                <a:solidFill>
+                  <a:schemeClr val="bg1"/>
+                </a:solidFill>
+              </a:rPr>
+              <a:t>・ドミノを高いところに維持したチームが勝ち。</a:t>
+            </a:r>
+            <a:endParaRPr lang="en-US" altLang="ja-JP" sz="4400" b="1" dirty="0">
+              <a:solidFill>
+                <a:schemeClr val="bg1"/>
+              </a:solidFill>
+            </a:endParaRPr>
+          </a:p>
+          <a:p>
+            <a:pPr>
+              <a:lnSpc>
+                <a:spcPct val="150000"/>
+              </a:lnSpc>
+            </a:pPr>
+            <a:r>
+              <a:rPr lang="ja-JP" altLang="en-US" sz="4400" b="1" dirty="0">
+                <a:solidFill>
+                  <a:schemeClr val="bg1"/>
+                </a:solidFill>
+              </a:rPr>
+              <a:t>・練習</a:t>
+            </a:r>
+            <a:r>
+              <a:rPr lang="en-US" altLang="ja-JP" sz="4400" b="1" dirty="0">
+                <a:solidFill>
+                  <a:schemeClr val="bg1"/>
+                </a:solidFill>
+              </a:rPr>
+              <a:t>3</a:t>
+            </a:r>
+            <a:r>
+              <a:rPr lang="ja-JP" altLang="en-US" sz="4400" b="1" dirty="0">
+                <a:solidFill>
+                  <a:schemeClr val="bg1"/>
+                </a:solidFill>
+              </a:rPr>
+              <a:t>分　本番</a:t>
+            </a:r>
+            <a:r>
+              <a:rPr lang="en-US" altLang="ja-JP" sz="4400" b="1" dirty="0">
+                <a:solidFill>
+                  <a:schemeClr val="bg1"/>
+                </a:solidFill>
+              </a:rPr>
+              <a:t>1</a:t>
+            </a:r>
+            <a:r>
+              <a:rPr lang="ja-JP" altLang="en-US" sz="4400" b="1" dirty="0">
+                <a:solidFill>
+                  <a:schemeClr val="bg1"/>
+                </a:solidFill>
+              </a:rPr>
+              <a:t>分</a:t>
+            </a:r>
+            <a:endParaRPr lang="en-US" altLang="ja-JP" sz="4400" b="1" dirty="0">
+              <a:solidFill>
+                <a:schemeClr val="bg1"/>
+              </a:solidFill>
+            </a:endParaRPr>
+          </a:p>
+        </p:txBody>
+      </p:sp>
+    </p:spTree>
+    <p:extLst>
+      <p:ext uri="{BB962C8B-B14F-4D97-AF65-F5344CB8AC3E}">
+        <p14:creationId xmlns:p14="http://schemas.microsoft.com/office/powerpoint/2010/main" val="615149271"/>
+      </p:ext>
+    </p:extLst>
+  </p:cSld>
+  <p:clrMapOvr>
+    <a:masterClrMapping/>
+  </p:clrMapOvr>
+</p:sld>
+</file>
+
+<file path=ppt/slides/slide11.xml><?xml version="1.0" encoding="utf-8"?>
 <p:sld xmlns:a="http://schemas.openxmlformats.org/drawingml/2006/main" xmlns:r="http://schemas.openxmlformats.org/officeDocument/2006/relationships" xmlns:p="http://schemas.openxmlformats.org/presentationml/2006/main">
   <p:cSld>
     <p:spTree>
@@ -4324,7 +4561,7 @@
 </p:sld>
 </file>
 
-<file path=ppt/slides/slide11.xml><?xml version="1.0" encoding="utf-8"?>
+<file path=ppt/slides/slide12.xml><?xml version="1.0" encoding="utf-8"?>
 <p:sld xmlns:a="http://schemas.openxmlformats.org/drawingml/2006/main" xmlns:r="http://schemas.openxmlformats.org/officeDocument/2006/relationships" xmlns:p="http://schemas.openxmlformats.org/presentationml/2006/main">
   <p:cSld>
     <p:spTree>
@@ -4402,7 +4639,7 @@
 </p:sld>
 </file>
 
-<file path=ppt/slides/slide12.xml><?xml version="1.0" encoding="utf-8"?>
+<file path=ppt/slides/slide13.xml><?xml version="1.0" encoding="utf-8"?>
 <p:sld xmlns:a="http://schemas.openxmlformats.org/drawingml/2006/main" xmlns:r="http://schemas.openxmlformats.org/officeDocument/2006/relationships" xmlns:p="http://schemas.openxmlformats.org/presentationml/2006/main">
   <p:cSld>
     <p:spTree>
@@ -4526,7 +4763,7 @@
           <p:nvPr>
             <p:extLst>
               <p:ext uri="{D42A27DB-BD31-4B8C-83A1-F6EECF244321}">
-                <p14:modId xmlns:p14="http://schemas.microsoft.com/office/powerpoint/2010/main" val="1758639403"/>
+                <p14:modId xmlns:p14="http://schemas.microsoft.com/office/powerpoint/2010/main" val="2453900769"/>
               </p:ext>
             </p:extLst>
           </p:nvPr>
@@ -5267,7 +5504,7 @@
                 </a:extLst>
               </a:tr>
               <a:tr h="370840">
-                <a:tc>
+                <a:tc rowSpan="2">
                   <a:txBody>
                     <a:bodyPr/>
                     <a:lstStyle/>
@@ -5289,7 +5526,7 @@
                           <a:ea typeface="Yu Gothic Medium" charset="-128"/>
                           <a:cs typeface="Yu Gothic Medium" charset="-128"/>
                         </a:rPr>
-                        <a:t>13:00</a:t>
+                        <a:t>13:30</a:t>
                       </a:r>
                       <a:endParaRPr kumimoji="1" lang="ja-JP" altLang="en-US" sz="2000" b="0" i="0" dirty="0">
                         <a:solidFill>
@@ -5306,7 +5543,7 @@
                   </a:txBody>
                   <a:tcPr marL="137160" marR="137160" marT="137160" marB="137160" anchor="ctr"/>
                 </a:tc>
-                <a:tc>
+                <a:tc rowSpan="2">
                   <a:txBody>
                     <a:bodyPr/>
                     <a:lstStyle/>
@@ -5328,7 +5565,7 @@
                           <a:ea typeface="Yu Gothic Medium" charset="-128"/>
                           <a:cs typeface="Yu Gothic Medium" charset="-128"/>
                         </a:rPr>
-                        <a:t>開発再開</a:t>
+                        <a:t>中間発表・開発再開</a:t>
                       </a:r>
                     </a:p>
                   </a:txBody>
@@ -5356,7 +5593,7 @@
                           <a:ea typeface="Yu Gothic Medium" charset="-128"/>
                           <a:cs typeface="Yu Gothic Medium" charset="-128"/>
                         </a:rPr>
-                        <a:t>13:00</a:t>
+                        <a:t>13:30</a:t>
                       </a:r>
                       <a:endParaRPr kumimoji="1" lang="ja-JP" altLang="en-US" sz="2000" b="0" i="0" dirty="0">
                         <a:solidFill>
@@ -5483,7 +5720,7 @@
                 </a:extLst>
               </a:tr>
               <a:tr h="370840">
-                <a:tc>
+                <a:tc vMerge="1">
                   <a:txBody>
                     <a:bodyPr/>
                     <a:lstStyle/>
@@ -5493,20 +5730,6 @@
                           <a:spcPct val="100000"/>
                         </a:lnSpc>
                       </a:pPr>
-                      <a:r>
-                        <a:rPr kumimoji="1" lang="en-US" altLang="ja-JP" sz="2000" b="0" i="0" dirty="0">
-                          <a:solidFill>
-                            <a:schemeClr val="tx1">
-                              <a:lumMod val="75000"/>
-                              <a:lumOff val="25000"/>
-                            </a:schemeClr>
-                          </a:solidFill>
-                          <a:latin typeface="Yu Gothic Medium" charset="-128"/>
-                          <a:ea typeface="Yu Gothic Medium" charset="-128"/>
-                          <a:cs typeface="Yu Gothic Medium" charset="-128"/>
-                        </a:rPr>
-                        <a:t>15:00</a:t>
-                      </a:r>
                       <a:endParaRPr kumimoji="1" lang="ja-JP" altLang="en-US" sz="2000" b="0" i="0" dirty="0">
                         <a:solidFill>
                           <a:schemeClr val="tx1">
@@ -5522,7 +5745,7 @@
                   </a:txBody>
                   <a:tcPr marL="137160" marR="137160" marT="137160" marB="137160" anchor="ctr"/>
                 </a:tc>
-                <a:tc>
+                <a:tc vMerge="1">
                   <a:txBody>
                     <a:bodyPr/>
                     <a:lstStyle/>
@@ -5532,20 +5755,17 @@
                           <a:spcPct val="100000"/>
                         </a:lnSpc>
                       </a:pPr>
-                      <a:r>
-                        <a:rPr kumimoji="1" lang="ja-JP" altLang="en-US" sz="2000" b="0" i="0" dirty="0">
-                          <a:solidFill>
-                            <a:schemeClr val="tx1">
-                              <a:lumMod val="75000"/>
-                              <a:lumOff val="25000"/>
-                            </a:schemeClr>
-                          </a:solidFill>
-                          <a:latin typeface="Yu Gothic Medium" charset="-128"/>
-                          <a:ea typeface="Yu Gothic Medium" charset="-128"/>
-                          <a:cs typeface="Yu Gothic Medium" charset="-128"/>
-                        </a:rPr>
-                        <a:t>中間発表</a:t>
-                      </a:r>
+                      <a:endParaRPr kumimoji="1" lang="ja-JP" altLang="en-US" sz="2000" b="0" i="0" dirty="0">
+                        <a:solidFill>
+                          <a:schemeClr val="tx1">
+                            <a:lumMod val="75000"/>
+                            <a:lumOff val="25000"/>
+                          </a:schemeClr>
+                        </a:solidFill>
+                        <a:latin typeface="Yu Gothic Medium" charset="-128"/>
+                        <a:ea typeface="Yu Gothic Medium" charset="-128"/>
+                        <a:cs typeface="Yu Gothic Medium" charset="-128"/>
+                      </a:endParaRPr>
                     </a:p>
                   </a:txBody>
                   <a:tcPr marL="137160" marR="137160" marT="137160" marB="137160" anchor="ctr"/>
@@ -6813,6 +7033,1342 @@
           <a:chExt cx="0" cy="0"/>
         </a:xfrm>
       </p:grpSpPr>
+      <p:sp>
+        <p:nvSpPr>
+          <p:cNvPr id="2" name="タイトル 1">
+            <a:extLst>
+              <a:ext uri="{FF2B5EF4-FFF2-40B4-BE49-F238E27FC236}">
+                <a16:creationId xmlns:a16="http://schemas.microsoft.com/office/drawing/2014/main" id="{59361736-765D-47CF-AF47-FE90143C5993}"/>
+              </a:ext>
+            </a:extLst>
+          </p:cNvPr>
+          <p:cNvSpPr>
+            <a:spLocks noGrp="1"/>
+          </p:cNvSpPr>
+          <p:nvPr>
+            <p:ph type="title"/>
+          </p:nvPr>
+        </p:nvSpPr>
+        <p:spPr>
+          <a:xfrm>
+            <a:off x="667871" y="365125"/>
+            <a:ext cx="11066929" cy="1325563"/>
+          </a:xfrm>
+        </p:spPr>
+        <p:txBody>
+          <a:bodyPr/>
+          <a:lstStyle/>
+          <a:p>
+            <a:r>
+              <a:rPr kumimoji="1" lang="en-US" altLang="ja-JP" dirty="0"/>
+              <a:t>Git</a:t>
+            </a:r>
+            <a:r>
+              <a:rPr kumimoji="1" lang="ja-JP" altLang="en-US" dirty="0"/>
+              <a:t>の使い方（コミット・プル・プッシュ）</a:t>
+            </a:r>
+          </a:p>
+        </p:txBody>
+      </p:sp>
+      <p:sp>
+        <p:nvSpPr>
+          <p:cNvPr id="4" name="正方形/長方形 3">
+            <a:extLst>
+              <a:ext uri="{FF2B5EF4-FFF2-40B4-BE49-F238E27FC236}">
+                <a16:creationId xmlns:a16="http://schemas.microsoft.com/office/drawing/2014/main" id="{B60D9A3B-D58C-4ACF-8BFE-F1D96519B572}"/>
+              </a:ext>
+            </a:extLst>
+          </p:cNvPr>
+          <p:cNvSpPr/>
+          <p:nvPr/>
+        </p:nvSpPr>
+        <p:spPr>
+          <a:xfrm>
+            <a:off x="1035423" y="2393576"/>
+            <a:ext cx="2429435" cy="3585883"/>
+          </a:xfrm>
+          <a:prstGeom prst="rect">
+            <a:avLst/>
+          </a:prstGeom>
+          <a:noFill/>
+          <a:ln w="76200"/>
+        </p:spPr>
+        <p:style>
+          <a:lnRef idx="2">
+            <a:schemeClr val="accent1">
+              <a:shade val="50000"/>
+            </a:schemeClr>
+          </a:lnRef>
+          <a:fillRef idx="1">
+            <a:schemeClr val="accent1"/>
+          </a:fillRef>
+          <a:effectRef idx="0">
+            <a:schemeClr val="accent1"/>
+          </a:effectRef>
+          <a:fontRef idx="minor">
+            <a:schemeClr val="lt1"/>
+          </a:fontRef>
+        </p:style>
+        <p:txBody>
+          <a:bodyPr rtlCol="0" anchor="ctr"/>
+          <a:lstStyle/>
+          <a:p>
+            <a:pPr algn="ctr"/>
+            <a:endParaRPr kumimoji="1" lang="ja-JP" altLang="en-US"/>
+          </a:p>
+        </p:txBody>
+      </p:sp>
+      <p:sp>
+        <p:nvSpPr>
+          <p:cNvPr id="5" name="正方形/長方形 4">
+            <a:extLst>
+              <a:ext uri="{FF2B5EF4-FFF2-40B4-BE49-F238E27FC236}">
+                <a16:creationId xmlns:a16="http://schemas.microsoft.com/office/drawing/2014/main" id="{243D4843-4759-43AD-9B2A-ABBEFA9757E3}"/>
+              </a:ext>
+            </a:extLst>
+          </p:cNvPr>
+          <p:cNvSpPr/>
+          <p:nvPr/>
+        </p:nvSpPr>
+        <p:spPr>
+          <a:xfrm>
+            <a:off x="5320552" y="2393575"/>
+            <a:ext cx="5607424" cy="3585883"/>
+          </a:xfrm>
+          <a:prstGeom prst="rect">
+            <a:avLst/>
+          </a:prstGeom>
+          <a:noFill/>
+          <a:ln w="76200">
+            <a:solidFill>
+              <a:schemeClr val="accent6"/>
+            </a:solidFill>
+          </a:ln>
+        </p:spPr>
+        <p:style>
+          <a:lnRef idx="2">
+            <a:schemeClr val="accent1">
+              <a:shade val="50000"/>
+            </a:schemeClr>
+          </a:lnRef>
+          <a:fillRef idx="1">
+            <a:schemeClr val="accent1"/>
+          </a:fillRef>
+          <a:effectRef idx="0">
+            <a:schemeClr val="accent1"/>
+          </a:effectRef>
+          <a:fontRef idx="minor">
+            <a:schemeClr val="lt1"/>
+          </a:fontRef>
+        </p:style>
+        <p:txBody>
+          <a:bodyPr rtlCol="0" anchor="ctr"/>
+          <a:lstStyle/>
+          <a:p>
+            <a:pPr algn="ctr"/>
+            <a:endParaRPr kumimoji="1" lang="ja-JP" altLang="en-US"/>
+          </a:p>
+        </p:txBody>
+      </p:sp>
+      <p:sp>
+        <p:nvSpPr>
+          <p:cNvPr id="6" name="正方形/長方形 5">
+            <a:extLst>
+              <a:ext uri="{FF2B5EF4-FFF2-40B4-BE49-F238E27FC236}">
+                <a16:creationId xmlns:a16="http://schemas.microsoft.com/office/drawing/2014/main" id="{CD6B5519-97A8-49A2-899E-8847132D4A50}"/>
+              </a:ext>
+            </a:extLst>
+          </p:cNvPr>
+          <p:cNvSpPr/>
+          <p:nvPr/>
+        </p:nvSpPr>
+        <p:spPr>
+          <a:xfrm>
+            <a:off x="5571564" y="3088341"/>
+            <a:ext cx="2429435" cy="2680448"/>
+          </a:xfrm>
+          <a:prstGeom prst="rect">
+            <a:avLst/>
+          </a:prstGeom>
+          <a:noFill/>
+          <a:ln w="76200"/>
+        </p:spPr>
+        <p:style>
+          <a:lnRef idx="2">
+            <a:schemeClr val="accent1">
+              <a:shade val="50000"/>
+            </a:schemeClr>
+          </a:lnRef>
+          <a:fillRef idx="1">
+            <a:schemeClr val="accent1"/>
+          </a:fillRef>
+          <a:effectRef idx="0">
+            <a:schemeClr val="accent1"/>
+          </a:effectRef>
+          <a:fontRef idx="minor">
+            <a:schemeClr val="lt1"/>
+          </a:fontRef>
+        </p:style>
+        <p:txBody>
+          <a:bodyPr rtlCol="0" anchor="ctr"/>
+          <a:lstStyle/>
+          <a:p>
+            <a:pPr algn="ctr"/>
+            <a:endParaRPr kumimoji="1" lang="ja-JP" altLang="en-US"/>
+          </a:p>
+        </p:txBody>
+      </p:sp>
+      <p:sp>
+        <p:nvSpPr>
+          <p:cNvPr id="7" name="正方形/長方形 6">
+            <a:extLst>
+              <a:ext uri="{FF2B5EF4-FFF2-40B4-BE49-F238E27FC236}">
+                <a16:creationId xmlns:a16="http://schemas.microsoft.com/office/drawing/2014/main" id="{FEEDA410-2407-4201-B88A-0D4F57248A30}"/>
+              </a:ext>
+            </a:extLst>
+          </p:cNvPr>
+          <p:cNvSpPr/>
+          <p:nvPr/>
+        </p:nvSpPr>
+        <p:spPr>
+          <a:xfrm>
+            <a:off x="8561294" y="3088341"/>
+            <a:ext cx="2014817" cy="2680448"/>
+          </a:xfrm>
+          <a:prstGeom prst="rect">
+            <a:avLst/>
+          </a:prstGeom>
+          <a:noFill/>
+          <a:ln w="76200"/>
+        </p:spPr>
+        <p:style>
+          <a:lnRef idx="2">
+            <a:schemeClr val="accent1">
+              <a:shade val="50000"/>
+            </a:schemeClr>
+          </a:lnRef>
+          <a:fillRef idx="1">
+            <a:schemeClr val="accent1"/>
+          </a:fillRef>
+          <a:effectRef idx="0">
+            <a:schemeClr val="accent1"/>
+          </a:effectRef>
+          <a:fontRef idx="minor">
+            <a:schemeClr val="lt1"/>
+          </a:fontRef>
+        </p:style>
+        <p:txBody>
+          <a:bodyPr rtlCol="0" anchor="ctr"/>
+          <a:lstStyle/>
+          <a:p>
+            <a:pPr algn="ctr"/>
+            <a:endParaRPr kumimoji="1" lang="ja-JP" altLang="en-US"/>
+          </a:p>
+        </p:txBody>
+      </p:sp>
+      <p:sp>
+        <p:nvSpPr>
+          <p:cNvPr id="8" name="テキスト ボックス 7">
+            <a:extLst>
+              <a:ext uri="{FF2B5EF4-FFF2-40B4-BE49-F238E27FC236}">
+                <a16:creationId xmlns:a16="http://schemas.microsoft.com/office/drawing/2014/main" id="{B4B7EB5D-3FCD-4FCF-8628-B4BC9E750B09}"/>
+              </a:ext>
+            </a:extLst>
+          </p:cNvPr>
+          <p:cNvSpPr txBox="1"/>
+          <p:nvPr/>
+        </p:nvSpPr>
+        <p:spPr>
+          <a:xfrm>
+            <a:off x="999565" y="1690688"/>
+            <a:ext cx="2429435" cy="584775"/>
+          </a:xfrm>
+          <a:prstGeom prst="rect">
+            <a:avLst/>
+          </a:prstGeom>
+          <a:noFill/>
+        </p:spPr>
+        <p:txBody>
+          <a:bodyPr wrap="square" rtlCol="0">
+            <a:spAutoFit/>
+          </a:bodyPr>
+          <a:lstStyle/>
+          <a:p>
+            <a:r>
+              <a:rPr kumimoji="1" lang="ja-JP" altLang="en-US" sz="3200" b="1" dirty="0">
+                <a:solidFill>
+                  <a:schemeClr val="bg1"/>
+                </a:solidFill>
+              </a:rPr>
+              <a:t>サーバー</a:t>
+            </a:r>
+          </a:p>
+        </p:txBody>
+      </p:sp>
+      <p:sp>
+        <p:nvSpPr>
+          <p:cNvPr id="9" name="テキスト ボックス 8">
+            <a:extLst>
+              <a:ext uri="{FF2B5EF4-FFF2-40B4-BE49-F238E27FC236}">
+                <a16:creationId xmlns:a16="http://schemas.microsoft.com/office/drawing/2014/main" id="{3B47D3A1-B00B-4FFC-AFC7-61BEB1B820EB}"/>
+              </a:ext>
+            </a:extLst>
+          </p:cNvPr>
+          <p:cNvSpPr txBox="1"/>
+          <p:nvPr/>
+        </p:nvSpPr>
+        <p:spPr>
+          <a:xfrm>
+            <a:off x="5186082" y="1690688"/>
+            <a:ext cx="2429435" cy="584775"/>
+          </a:xfrm>
+          <a:prstGeom prst="rect">
+            <a:avLst/>
+          </a:prstGeom>
+          <a:noFill/>
+        </p:spPr>
+        <p:txBody>
+          <a:bodyPr wrap="square" rtlCol="0">
+            <a:spAutoFit/>
+          </a:bodyPr>
+          <a:lstStyle/>
+          <a:p>
+            <a:r>
+              <a:rPr kumimoji="1" lang="ja-JP" altLang="en-US" sz="3200" b="1" dirty="0">
+                <a:solidFill>
+                  <a:schemeClr val="bg1"/>
+                </a:solidFill>
+              </a:rPr>
+              <a:t>あなたの</a:t>
+            </a:r>
+            <a:r>
+              <a:rPr kumimoji="1" lang="en-US" altLang="ja-JP" sz="3200" b="1" dirty="0">
+                <a:solidFill>
+                  <a:schemeClr val="bg1"/>
+                </a:solidFill>
+              </a:rPr>
+              <a:t>PC</a:t>
+            </a:r>
+            <a:endParaRPr kumimoji="1" lang="ja-JP" altLang="en-US" sz="3200" b="1" dirty="0">
+              <a:solidFill>
+                <a:schemeClr val="bg1"/>
+              </a:solidFill>
+            </a:endParaRPr>
+          </a:p>
+        </p:txBody>
+      </p:sp>
+      <p:sp>
+        <p:nvSpPr>
+          <p:cNvPr id="10" name="テキスト ボックス 9">
+            <a:extLst>
+              <a:ext uri="{FF2B5EF4-FFF2-40B4-BE49-F238E27FC236}">
+                <a16:creationId xmlns:a16="http://schemas.microsoft.com/office/drawing/2014/main" id="{719751FA-D038-4DE4-86B9-B54906197D00}"/>
+              </a:ext>
+            </a:extLst>
+          </p:cNvPr>
+          <p:cNvSpPr txBox="1"/>
+          <p:nvPr/>
+        </p:nvSpPr>
+        <p:spPr>
+          <a:xfrm>
+            <a:off x="5374340" y="2534215"/>
+            <a:ext cx="2958353" cy="461665"/>
+          </a:xfrm>
+          <a:prstGeom prst="rect">
+            <a:avLst/>
+          </a:prstGeom>
+          <a:noFill/>
+        </p:spPr>
+        <p:txBody>
+          <a:bodyPr wrap="square" rtlCol="0">
+            <a:spAutoFit/>
+          </a:bodyPr>
+          <a:lstStyle/>
+          <a:p>
+            <a:r>
+              <a:rPr kumimoji="1" lang="ja-JP" altLang="en-US" sz="2400" b="1" dirty="0">
+                <a:solidFill>
+                  <a:schemeClr val="bg1"/>
+                </a:solidFill>
+              </a:rPr>
+              <a:t>ローカルリポジトリ</a:t>
+            </a:r>
+          </a:p>
+        </p:txBody>
+      </p:sp>
+      <p:sp>
+        <p:nvSpPr>
+          <p:cNvPr id="11" name="テキスト ボックス 10">
+            <a:extLst>
+              <a:ext uri="{FF2B5EF4-FFF2-40B4-BE49-F238E27FC236}">
+                <a16:creationId xmlns:a16="http://schemas.microsoft.com/office/drawing/2014/main" id="{69020A21-7471-4FD0-9213-9F7FE7175AB3}"/>
+              </a:ext>
+            </a:extLst>
+          </p:cNvPr>
+          <p:cNvSpPr txBox="1"/>
+          <p:nvPr/>
+        </p:nvSpPr>
+        <p:spPr>
+          <a:xfrm flipH="1">
+            <a:off x="8807822" y="3429000"/>
+            <a:ext cx="1241611" cy="369332"/>
+          </a:xfrm>
+          <a:prstGeom prst="rect">
+            <a:avLst/>
+          </a:prstGeom>
+          <a:noFill/>
+        </p:spPr>
+        <p:txBody>
+          <a:bodyPr wrap="square" rtlCol="0">
+            <a:spAutoFit/>
+          </a:bodyPr>
+          <a:lstStyle/>
+          <a:p>
+            <a:r>
+              <a:rPr kumimoji="1" lang="en-US" altLang="ja-JP" dirty="0"/>
+              <a:t>Hello git!</a:t>
+            </a:r>
+            <a:endParaRPr kumimoji="1" lang="ja-JP" altLang="en-US" dirty="0"/>
+          </a:p>
+        </p:txBody>
+      </p:sp>
+      <p:sp>
+        <p:nvSpPr>
+          <p:cNvPr id="12" name="テキスト ボックス 11">
+            <a:extLst>
+              <a:ext uri="{FF2B5EF4-FFF2-40B4-BE49-F238E27FC236}">
+                <a16:creationId xmlns:a16="http://schemas.microsoft.com/office/drawing/2014/main" id="{61459DC7-78F0-4A6C-BB77-F0C80AFBB2CB}"/>
+              </a:ext>
+            </a:extLst>
+          </p:cNvPr>
+          <p:cNvSpPr txBox="1"/>
+          <p:nvPr/>
+        </p:nvSpPr>
+        <p:spPr>
+          <a:xfrm>
+            <a:off x="5714999" y="3290500"/>
+            <a:ext cx="1900518" cy="646331"/>
+          </a:xfrm>
+          <a:prstGeom prst="rect">
+            <a:avLst/>
+          </a:prstGeom>
+          <a:noFill/>
+        </p:spPr>
+        <p:txBody>
+          <a:bodyPr wrap="square" rtlCol="0">
+            <a:spAutoFit/>
+          </a:bodyPr>
+          <a:lstStyle/>
+          <a:p>
+            <a:r>
+              <a:rPr kumimoji="1" lang="en-US" altLang="ja-JP" dirty="0"/>
+              <a:t>Ver.1</a:t>
+            </a:r>
+          </a:p>
+          <a:p>
+            <a:r>
+              <a:rPr lang="en-US" altLang="ja-JP" dirty="0"/>
+              <a:t>Hello git!</a:t>
+            </a:r>
+            <a:endParaRPr kumimoji="1" lang="ja-JP" altLang="en-US" dirty="0"/>
+          </a:p>
+        </p:txBody>
+      </p:sp>
+      <p:cxnSp>
+        <p:nvCxnSpPr>
+          <p:cNvPr id="14" name="直線矢印コネクタ 13">
+            <a:extLst>
+              <a:ext uri="{FF2B5EF4-FFF2-40B4-BE49-F238E27FC236}">
+                <a16:creationId xmlns:a16="http://schemas.microsoft.com/office/drawing/2014/main" id="{955EEED3-9ADC-4C0B-92FD-DCE43FF02B59}"/>
+              </a:ext>
+            </a:extLst>
+          </p:cNvPr>
+          <p:cNvCxnSpPr/>
+          <p:nvPr/>
+        </p:nvCxnSpPr>
+        <p:spPr>
+          <a:xfrm flipH="1">
+            <a:off x="8000999" y="3613665"/>
+            <a:ext cx="510988" cy="0"/>
+          </a:xfrm>
+          <a:prstGeom prst="straightConnector1">
+            <a:avLst/>
+          </a:prstGeom>
+          <a:ln w="38100">
+            <a:solidFill>
+              <a:schemeClr val="bg1"/>
+            </a:solidFill>
+            <a:tailEnd type="triangle"/>
+          </a:ln>
+        </p:spPr>
+        <p:style>
+          <a:lnRef idx="1">
+            <a:schemeClr val="accent1"/>
+          </a:lnRef>
+          <a:fillRef idx="0">
+            <a:schemeClr val="accent1"/>
+          </a:fillRef>
+          <a:effectRef idx="0">
+            <a:schemeClr val="accent1"/>
+          </a:effectRef>
+          <a:fontRef idx="minor">
+            <a:schemeClr val="tx1"/>
+          </a:fontRef>
+        </p:style>
+      </p:cxnSp>
+      <p:cxnSp>
+        <p:nvCxnSpPr>
+          <p:cNvPr id="15" name="直線矢印コネクタ 14">
+            <a:extLst>
+              <a:ext uri="{FF2B5EF4-FFF2-40B4-BE49-F238E27FC236}">
+                <a16:creationId xmlns:a16="http://schemas.microsoft.com/office/drawing/2014/main" id="{FAFD2F94-6FDE-48C1-834C-785366EAD901}"/>
+              </a:ext>
+            </a:extLst>
+          </p:cNvPr>
+          <p:cNvCxnSpPr>
+            <a:cxnSpLocks/>
+          </p:cNvCxnSpPr>
+          <p:nvPr/>
+        </p:nvCxnSpPr>
+        <p:spPr>
+          <a:xfrm flipH="1">
+            <a:off x="3536576" y="3645041"/>
+            <a:ext cx="1743634" cy="0"/>
+          </a:xfrm>
+          <a:prstGeom prst="straightConnector1">
+            <a:avLst/>
+          </a:prstGeom>
+          <a:ln w="38100">
+            <a:solidFill>
+              <a:schemeClr val="bg1"/>
+            </a:solidFill>
+            <a:tailEnd type="triangle"/>
+          </a:ln>
+        </p:spPr>
+        <p:style>
+          <a:lnRef idx="1">
+            <a:schemeClr val="accent1"/>
+          </a:lnRef>
+          <a:fillRef idx="0">
+            <a:schemeClr val="accent1"/>
+          </a:fillRef>
+          <a:effectRef idx="0">
+            <a:schemeClr val="accent1"/>
+          </a:effectRef>
+          <a:fontRef idx="minor">
+            <a:schemeClr val="tx1"/>
+          </a:fontRef>
+        </p:style>
+      </p:cxnSp>
+      <p:sp>
+        <p:nvSpPr>
+          <p:cNvPr id="17" name="テキスト ボックス 16">
+            <a:extLst>
+              <a:ext uri="{FF2B5EF4-FFF2-40B4-BE49-F238E27FC236}">
+                <a16:creationId xmlns:a16="http://schemas.microsoft.com/office/drawing/2014/main" id="{FCBAB3BB-1C50-41BF-A852-911EF8EA7096}"/>
+              </a:ext>
+            </a:extLst>
+          </p:cNvPr>
+          <p:cNvSpPr txBox="1"/>
+          <p:nvPr/>
+        </p:nvSpPr>
+        <p:spPr>
+          <a:xfrm>
+            <a:off x="1264023" y="2693085"/>
+            <a:ext cx="1900518" cy="646331"/>
+          </a:xfrm>
+          <a:prstGeom prst="rect">
+            <a:avLst/>
+          </a:prstGeom>
+          <a:noFill/>
+        </p:spPr>
+        <p:txBody>
+          <a:bodyPr wrap="square" rtlCol="0">
+            <a:spAutoFit/>
+          </a:bodyPr>
+          <a:lstStyle/>
+          <a:p>
+            <a:r>
+              <a:rPr kumimoji="1" lang="en-US" altLang="ja-JP" dirty="0"/>
+              <a:t>Ver.1</a:t>
+            </a:r>
+          </a:p>
+          <a:p>
+            <a:r>
+              <a:rPr lang="en-US" altLang="ja-JP" dirty="0"/>
+              <a:t>Hello git!</a:t>
+            </a:r>
+            <a:endParaRPr kumimoji="1" lang="ja-JP" altLang="en-US" dirty="0"/>
+          </a:p>
+        </p:txBody>
+      </p:sp>
+      <p:sp>
+        <p:nvSpPr>
+          <p:cNvPr id="18" name="テキスト ボックス 17">
+            <a:extLst>
+              <a:ext uri="{FF2B5EF4-FFF2-40B4-BE49-F238E27FC236}">
+                <a16:creationId xmlns:a16="http://schemas.microsoft.com/office/drawing/2014/main" id="{F18DDF12-DDC5-4A3A-92FC-A33B7420D499}"/>
+              </a:ext>
+            </a:extLst>
+          </p:cNvPr>
+          <p:cNvSpPr txBox="1"/>
+          <p:nvPr/>
+        </p:nvSpPr>
+        <p:spPr>
+          <a:xfrm>
+            <a:off x="1264023" y="3518585"/>
+            <a:ext cx="1900518" cy="1477328"/>
+          </a:xfrm>
+          <a:prstGeom prst="rect">
+            <a:avLst/>
+          </a:prstGeom>
+          <a:noFill/>
+        </p:spPr>
+        <p:txBody>
+          <a:bodyPr wrap="square" rtlCol="0">
+            <a:spAutoFit/>
+          </a:bodyPr>
+          <a:lstStyle/>
+          <a:p>
+            <a:r>
+              <a:rPr kumimoji="1" lang="en-US" altLang="ja-JP" dirty="0"/>
+              <a:t>Ver.2</a:t>
+            </a:r>
+          </a:p>
+          <a:p>
+            <a:r>
+              <a:rPr lang="en-US" altLang="ja-JP" dirty="0"/>
+              <a:t>Hello git!</a:t>
+            </a:r>
+          </a:p>
+          <a:p>
+            <a:r>
+              <a:rPr lang="ja-JP" altLang="en-US" dirty="0"/>
+              <a:t>それよりもぎゅっと</a:t>
+            </a:r>
+            <a:r>
+              <a:rPr lang="en-US" altLang="ja-JP" dirty="0"/>
+              <a:t>e</a:t>
+            </a:r>
+            <a:r>
+              <a:rPr lang="ja-JP" altLang="en-US" dirty="0"/>
+              <a:t>殺して</a:t>
+            </a:r>
+            <a:r>
+              <a:rPr lang="en-US" altLang="ja-JP" dirty="0"/>
+              <a:t>…</a:t>
+            </a:r>
+            <a:endParaRPr kumimoji="1" lang="ja-JP" altLang="en-US" dirty="0"/>
+          </a:p>
+        </p:txBody>
+      </p:sp>
+      <p:sp>
+        <p:nvSpPr>
+          <p:cNvPr id="19" name="テキスト ボックス 18">
+            <a:extLst>
+              <a:ext uri="{FF2B5EF4-FFF2-40B4-BE49-F238E27FC236}">
+                <a16:creationId xmlns:a16="http://schemas.microsoft.com/office/drawing/2014/main" id="{7E000756-C55C-4CA8-8D40-7A61B39F2F5E}"/>
+              </a:ext>
+            </a:extLst>
+          </p:cNvPr>
+          <p:cNvSpPr txBox="1"/>
+          <p:nvPr/>
+        </p:nvSpPr>
+        <p:spPr>
+          <a:xfrm>
+            <a:off x="5714999" y="4186516"/>
+            <a:ext cx="1900518" cy="1477328"/>
+          </a:xfrm>
+          <a:prstGeom prst="rect">
+            <a:avLst/>
+          </a:prstGeom>
+          <a:noFill/>
+        </p:spPr>
+        <p:txBody>
+          <a:bodyPr wrap="square" rtlCol="0">
+            <a:spAutoFit/>
+          </a:bodyPr>
+          <a:lstStyle/>
+          <a:p>
+            <a:r>
+              <a:rPr kumimoji="1" lang="en-US" altLang="ja-JP" dirty="0"/>
+              <a:t>Ver.2</a:t>
+            </a:r>
+          </a:p>
+          <a:p>
+            <a:r>
+              <a:rPr lang="en-US" altLang="ja-JP" dirty="0"/>
+              <a:t>Hello git!</a:t>
+            </a:r>
+          </a:p>
+          <a:p>
+            <a:r>
+              <a:rPr lang="ja-JP" altLang="en-US" dirty="0"/>
+              <a:t>それよりもぎゅっと</a:t>
+            </a:r>
+            <a:r>
+              <a:rPr lang="en-US" altLang="ja-JP" dirty="0"/>
+              <a:t>e</a:t>
+            </a:r>
+            <a:r>
+              <a:rPr lang="ja-JP" altLang="en-US" dirty="0"/>
+              <a:t>殺して</a:t>
+            </a:r>
+            <a:r>
+              <a:rPr lang="en-US" altLang="ja-JP" dirty="0"/>
+              <a:t>…</a:t>
+            </a:r>
+            <a:endParaRPr kumimoji="1" lang="ja-JP" altLang="en-US" dirty="0"/>
+          </a:p>
+        </p:txBody>
+      </p:sp>
+      <p:sp>
+        <p:nvSpPr>
+          <p:cNvPr id="20" name="テキスト ボックス 19">
+            <a:extLst>
+              <a:ext uri="{FF2B5EF4-FFF2-40B4-BE49-F238E27FC236}">
+                <a16:creationId xmlns:a16="http://schemas.microsoft.com/office/drawing/2014/main" id="{611DDD2E-BB66-4EE0-A020-12F99EB72BBF}"/>
+              </a:ext>
+            </a:extLst>
+          </p:cNvPr>
+          <p:cNvSpPr txBox="1"/>
+          <p:nvPr/>
+        </p:nvSpPr>
+        <p:spPr>
+          <a:xfrm>
+            <a:off x="8807822" y="3155515"/>
+            <a:ext cx="1900518" cy="1477328"/>
+          </a:xfrm>
+          <a:prstGeom prst="rect">
+            <a:avLst/>
+          </a:prstGeom>
+          <a:noFill/>
+        </p:spPr>
+        <p:txBody>
+          <a:bodyPr wrap="square" rtlCol="0">
+            <a:spAutoFit/>
+          </a:bodyPr>
+          <a:lstStyle/>
+          <a:p>
+            <a:endParaRPr kumimoji="1" lang="en-US" altLang="ja-JP" dirty="0"/>
+          </a:p>
+          <a:p>
+            <a:r>
+              <a:rPr lang="en-US" altLang="ja-JP" dirty="0"/>
+              <a:t>Hello git!</a:t>
+            </a:r>
+          </a:p>
+          <a:p>
+            <a:r>
+              <a:rPr lang="ja-JP" altLang="en-US" dirty="0"/>
+              <a:t>それよりもぎゅっと</a:t>
+            </a:r>
+            <a:r>
+              <a:rPr lang="en-US" altLang="ja-JP" dirty="0"/>
+              <a:t>e</a:t>
+            </a:r>
+            <a:r>
+              <a:rPr lang="ja-JP" altLang="en-US" dirty="0"/>
+              <a:t>殺して</a:t>
+            </a:r>
+            <a:r>
+              <a:rPr lang="en-US" altLang="ja-JP" dirty="0"/>
+              <a:t>…</a:t>
+            </a:r>
+            <a:endParaRPr kumimoji="1" lang="ja-JP" altLang="en-US" dirty="0"/>
+          </a:p>
+        </p:txBody>
+      </p:sp>
+      <p:cxnSp>
+        <p:nvCxnSpPr>
+          <p:cNvPr id="21" name="直線矢印コネクタ 20">
+            <a:extLst>
+              <a:ext uri="{FF2B5EF4-FFF2-40B4-BE49-F238E27FC236}">
+                <a16:creationId xmlns:a16="http://schemas.microsoft.com/office/drawing/2014/main" id="{D3C3E921-3857-45CB-8C67-4280DEF3F98F}"/>
+              </a:ext>
+            </a:extLst>
+          </p:cNvPr>
+          <p:cNvCxnSpPr>
+            <a:cxnSpLocks/>
+          </p:cNvCxnSpPr>
+          <p:nvPr/>
+        </p:nvCxnSpPr>
+        <p:spPr>
+          <a:xfrm>
+            <a:off x="3527612" y="4536141"/>
+            <a:ext cx="1752598" cy="0"/>
+          </a:xfrm>
+          <a:prstGeom prst="straightConnector1">
+            <a:avLst/>
+          </a:prstGeom>
+          <a:ln w="38100">
+            <a:solidFill>
+              <a:schemeClr val="bg1"/>
+            </a:solidFill>
+            <a:tailEnd type="triangle"/>
+          </a:ln>
+        </p:spPr>
+        <p:style>
+          <a:lnRef idx="1">
+            <a:schemeClr val="accent1"/>
+          </a:lnRef>
+          <a:fillRef idx="0">
+            <a:schemeClr val="accent1"/>
+          </a:fillRef>
+          <a:effectRef idx="0">
+            <a:schemeClr val="accent1"/>
+          </a:effectRef>
+          <a:fontRef idx="minor">
+            <a:schemeClr val="tx1"/>
+          </a:fontRef>
+        </p:style>
+      </p:cxnSp>
+    </p:spTree>
+    <p:extLst>
+      <p:ext uri="{BB962C8B-B14F-4D97-AF65-F5344CB8AC3E}">
+        <p14:creationId xmlns:p14="http://schemas.microsoft.com/office/powerpoint/2010/main" val="1214278473"/>
+      </p:ext>
+    </p:extLst>
+  </p:cSld>
+  <p:clrMapOvr>
+    <a:masterClrMapping/>
+  </p:clrMapOvr>
+  <p:timing>
+    <p:tnLst>
+      <p:par>
+        <p:cTn id="1" dur="indefinite" restart="never" nodeType="tmRoot">
+          <p:childTnLst>
+            <p:seq concurrent="1" nextAc="seek">
+              <p:cTn id="2" dur="indefinite" nodeType="mainSeq">
+                <p:childTnLst>
+                  <p:par>
+                    <p:cTn id="3" fill="hold">
+                      <p:stCondLst>
+                        <p:cond delay="indefinite"/>
+                      </p:stCondLst>
+                      <p:childTnLst>
+                        <p:par>
+                          <p:cTn id="4" fill="hold">
+                            <p:stCondLst>
+                              <p:cond delay="0"/>
+                            </p:stCondLst>
+                            <p:childTnLst>
+                              <p:par>
+                                <p:cTn id="5" presetID="10" presetClass="entr" presetSubtype="0" fill="hold" grpId="0" nodeType="clickEffect">
+                                  <p:stCondLst>
+                                    <p:cond delay="0"/>
+                                  </p:stCondLst>
+                                  <p:childTnLst>
+                                    <p:set>
+                                      <p:cBhvr>
+                                        <p:cTn id="6" dur="1" fill="hold">
+                                          <p:stCondLst>
+                                            <p:cond delay="0"/>
+                                          </p:stCondLst>
+                                        </p:cTn>
+                                        <p:tgtEl>
+                                          <p:spTgt spid="11"/>
+                                        </p:tgtEl>
+                                        <p:attrNameLst>
+                                          <p:attrName>style.visibility</p:attrName>
+                                        </p:attrNameLst>
+                                      </p:cBhvr>
+                                      <p:to>
+                                        <p:strVal val="visible"/>
+                                      </p:to>
+                                    </p:set>
+                                    <p:animEffect transition="in" filter="fade">
+                                      <p:cBhvr>
+                                        <p:cTn id="7" dur="10"/>
+                                        <p:tgtEl>
+                                          <p:spTgt spid="11"/>
+                                        </p:tgtEl>
+                                      </p:cBhvr>
+                                    </p:animEffect>
+                                  </p:childTnLst>
+                                </p:cTn>
+                              </p:par>
+                            </p:childTnLst>
+                          </p:cTn>
+                        </p:par>
+                      </p:childTnLst>
+                    </p:cTn>
+                  </p:par>
+                  <p:par>
+                    <p:cTn id="8" fill="hold">
+                      <p:stCondLst>
+                        <p:cond delay="indefinite"/>
+                      </p:stCondLst>
+                      <p:childTnLst>
+                        <p:par>
+                          <p:cTn id="9" fill="hold">
+                            <p:stCondLst>
+                              <p:cond delay="0"/>
+                            </p:stCondLst>
+                            <p:childTnLst>
+                              <p:par>
+                                <p:cTn id="10" presetID="22" presetClass="entr" presetSubtype="2" fill="hold" nodeType="clickEffect">
+                                  <p:stCondLst>
+                                    <p:cond delay="0"/>
+                                  </p:stCondLst>
+                                  <p:childTnLst>
+                                    <p:set>
+                                      <p:cBhvr>
+                                        <p:cTn id="11" dur="1" fill="hold">
+                                          <p:stCondLst>
+                                            <p:cond delay="0"/>
+                                          </p:stCondLst>
+                                        </p:cTn>
+                                        <p:tgtEl>
+                                          <p:spTgt spid="14"/>
+                                        </p:tgtEl>
+                                        <p:attrNameLst>
+                                          <p:attrName>style.visibility</p:attrName>
+                                        </p:attrNameLst>
+                                      </p:cBhvr>
+                                      <p:to>
+                                        <p:strVal val="visible"/>
+                                      </p:to>
+                                    </p:set>
+                                    <p:animEffect transition="in" filter="wipe(right)">
+                                      <p:cBhvr>
+                                        <p:cTn id="12" dur="500"/>
+                                        <p:tgtEl>
+                                          <p:spTgt spid="14"/>
+                                        </p:tgtEl>
+                                      </p:cBhvr>
+                                    </p:animEffect>
+                                  </p:childTnLst>
+                                </p:cTn>
+                              </p:par>
+                            </p:childTnLst>
+                          </p:cTn>
+                        </p:par>
+                        <p:par>
+                          <p:cTn id="13" fill="hold">
+                            <p:stCondLst>
+                              <p:cond delay="500"/>
+                            </p:stCondLst>
+                            <p:childTnLst>
+                              <p:par>
+                                <p:cTn id="14" presetID="10" presetClass="entr" presetSubtype="0" fill="hold" grpId="0" nodeType="afterEffect">
+                                  <p:stCondLst>
+                                    <p:cond delay="0"/>
+                                  </p:stCondLst>
+                                  <p:childTnLst>
+                                    <p:set>
+                                      <p:cBhvr>
+                                        <p:cTn id="15" dur="1" fill="hold">
+                                          <p:stCondLst>
+                                            <p:cond delay="0"/>
+                                          </p:stCondLst>
+                                        </p:cTn>
+                                        <p:tgtEl>
+                                          <p:spTgt spid="12"/>
+                                        </p:tgtEl>
+                                        <p:attrNameLst>
+                                          <p:attrName>style.visibility</p:attrName>
+                                        </p:attrNameLst>
+                                      </p:cBhvr>
+                                      <p:to>
+                                        <p:strVal val="visible"/>
+                                      </p:to>
+                                    </p:set>
+                                    <p:animEffect transition="in" filter="fade">
+                                      <p:cBhvr>
+                                        <p:cTn id="16" dur="10"/>
+                                        <p:tgtEl>
+                                          <p:spTgt spid="12"/>
+                                        </p:tgtEl>
+                                      </p:cBhvr>
+                                    </p:animEffect>
+                                  </p:childTnLst>
+                                </p:cTn>
+                              </p:par>
+                            </p:childTnLst>
+                          </p:cTn>
+                        </p:par>
+                      </p:childTnLst>
+                    </p:cTn>
+                  </p:par>
+                  <p:par>
+                    <p:cTn id="17" fill="hold">
+                      <p:stCondLst>
+                        <p:cond delay="indefinite"/>
+                      </p:stCondLst>
+                      <p:childTnLst>
+                        <p:par>
+                          <p:cTn id="18" fill="hold">
+                            <p:stCondLst>
+                              <p:cond delay="0"/>
+                            </p:stCondLst>
+                            <p:childTnLst>
+                              <p:par>
+                                <p:cTn id="19" presetID="22" presetClass="entr" presetSubtype="2" fill="hold" nodeType="clickEffect">
+                                  <p:stCondLst>
+                                    <p:cond delay="0"/>
+                                  </p:stCondLst>
+                                  <p:childTnLst>
+                                    <p:set>
+                                      <p:cBhvr>
+                                        <p:cTn id="20" dur="1" fill="hold">
+                                          <p:stCondLst>
+                                            <p:cond delay="0"/>
+                                          </p:stCondLst>
+                                        </p:cTn>
+                                        <p:tgtEl>
+                                          <p:spTgt spid="15"/>
+                                        </p:tgtEl>
+                                        <p:attrNameLst>
+                                          <p:attrName>style.visibility</p:attrName>
+                                        </p:attrNameLst>
+                                      </p:cBhvr>
+                                      <p:to>
+                                        <p:strVal val="visible"/>
+                                      </p:to>
+                                    </p:set>
+                                    <p:animEffect transition="in" filter="wipe(right)">
+                                      <p:cBhvr>
+                                        <p:cTn id="21" dur="500"/>
+                                        <p:tgtEl>
+                                          <p:spTgt spid="15"/>
+                                        </p:tgtEl>
+                                      </p:cBhvr>
+                                    </p:animEffect>
+                                  </p:childTnLst>
+                                </p:cTn>
+                              </p:par>
+                            </p:childTnLst>
+                          </p:cTn>
+                        </p:par>
+                        <p:par>
+                          <p:cTn id="22" fill="hold">
+                            <p:stCondLst>
+                              <p:cond delay="500"/>
+                            </p:stCondLst>
+                            <p:childTnLst>
+                              <p:par>
+                                <p:cTn id="23" presetID="10" presetClass="entr" presetSubtype="0" fill="hold" grpId="0" nodeType="afterEffect">
+                                  <p:stCondLst>
+                                    <p:cond delay="0"/>
+                                  </p:stCondLst>
+                                  <p:childTnLst>
+                                    <p:set>
+                                      <p:cBhvr>
+                                        <p:cTn id="24" dur="1" fill="hold">
+                                          <p:stCondLst>
+                                            <p:cond delay="0"/>
+                                          </p:stCondLst>
+                                        </p:cTn>
+                                        <p:tgtEl>
+                                          <p:spTgt spid="17"/>
+                                        </p:tgtEl>
+                                        <p:attrNameLst>
+                                          <p:attrName>style.visibility</p:attrName>
+                                        </p:attrNameLst>
+                                      </p:cBhvr>
+                                      <p:to>
+                                        <p:strVal val="visible"/>
+                                      </p:to>
+                                    </p:set>
+                                    <p:animEffect transition="in" filter="fade">
+                                      <p:cBhvr>
+                                        <p:cTn id="25" dur="10"/>
+                                        <p:tgtEl>
+                                          <p:spTgt spid="17"/>
+                                        </p:tgtEl>
+                                      </p:cBhvr>
+                                    </p:animEffect>
+                                  </p:childTnLst>
+                                </p:cTn>
+                              </p:par>
+                            </p:childTnLst>
+                          </p:cTn>
+                        </p:par>
+                      </p:childTnLst>
+                    </p:cTn>
+                  </p:par>
+                  <p:par>
+                    <p:cTn id="26" fill="hold">
+                      <p:stCondLst>
+                        <p:cond delay="indefinite"/>
+                      </p:stCondLst>
+                      <p:childTnLst>
+                        <p:par>
+                          <p:cTn id="27" fill="hold">
+                            <p:stCondLst>
+                              <p:cond delay="0"/>
+                            </p:stCondLst>
+                            <p:childTnLst>
+                              <p:par>
+                                <p:cTn id="28" presetID="10" presetClass="entr" presetSubtype="0" fill="hold" grpId="0" nodeType="clickEffect">
+                                  <p:stCondLst>
+                                    <p:cond delay="0"/>
+                                  </p:stCondLst>
+                                  <p:childTnLst>
+                                    <p:set>
+                                      <p:cBhvr>
+                                        <p:cTn id="29" dur="1" fill="hold">
+                                          <p:stCondLst>
+                                            <p:cond delay="0"/>
+                                          </p:stCondLst>
+                                        </p:cTn>
+                                        <p:tgtEl>
+                                          <p:spTgt spid="18"/>
+                                        </p:tgtEl>
+                                        <p:attrNameLst>
+                                          <p:attrName>style.visibility</p:attrName>
+                                        </p:attrNameLst>
+                                      </p:cBhvr>
+                                      <p:to>
+                                        <p:strVal val="visible"/>
+                                      </p:to>
+                                    </p:set>
+                                    <p:animEffect transition="in" filter="fade">
+                                      <p:cBhvr>
+                                        <p:cTn id="30" dur="10"/>
+                                        <p:tgtEl>
+                                          <p:spTgt spid="18"/>
+                                        </p:tgtEl>
+                                      </p:cBhvr>
+                                    </p:animEffect>
+                                  </p:childTnLst>
+                                </p:cTn>
+                              </p:par>
+                            </p:childTnLst>
+                          </p:cTn>
+                        </p:par>
+                      </p:childTnLst>
+                    </p:cTn>
+                  </p:par>
+                  <p:par>
+                    <p:cTn id="31" fill="hold">
+                      <p:stCondLst>
+                        <p:cond delay="indefinite"/>
+                      </p:stCondLst>
+                      <p:childTnLst>
+                        <p:par>
+                          <p:cTn id="32" fill="hold">
+                            <p:stCondLst>
+                              <p:cond delay="0"/>
+                            </p:stCondLst>
+                            <p:childTnLst>
+                              <p:par>
+                                <p:cTn id="33" presetID="22" presetClass="entr" presetSubtype="8" fill="hold" nodeType="clickEffect">
+                                  <p:stCondLst>
+                                    <p:cond delay="0"/>
+                                  </p:stCondLst>
+                                  <p:childTnLst>
+                                    <p:set>
+                                      <p:cBhvr>
+                                        <p:cTn id="34" dur="1" fill="hold">
+                                          <p:stCondLst>
+                                            <p:cond delay="0"/>
+                                          </p:stCondLst>
+                                        </p:cTn>
+                                        <p:tgtEl>
+                                          <p:spTgt spid="21"/>
+                                        </p:tgtEl>
+                                        <p:attrNameLst>
+                                          <p:attrName>style.visibility</p:attrName>
+                                        </p:attrNameLst>
+                                      </p:cBhvr>
+                                      <p:to>
+                                        <p:strVal val="visible"/>
+                                      </p:to>
+                                    </p:set>
+                                    <p:animEffect transition="in" filter="wipe(left)">
+                                      <p:cBhvr>
+                                        <p:cTn id="35" dur="500"/>
+                                        <p:tgtEl>
+                                          <p:spTgt spid="21"/>
+                                        </p:tgtEl>
+                                      </p:cBhvr>
+                                    </p:animEffect>
+                                  </p:childTnLst>
+                                </p:cTn>
+                              </p:par>
+                            </p:childTnLst>
+                          </p:cTn>
+                        </p:par>
+                        <p:par>
+                          <p:cTn id="36" fill="hold">
+                            <p:stCondLst>
+                              <p:cond delay="500"/>
+                            </p:stCondLst>
+                            <p:childTnLst>
+                              <p:par>
+                                <p:cTn id="37" presetID="1" presetClass="exit" presetSubtype="0" fill="hold" grpId="1" nodeType="afterEffect">
+                                  <p:stCondLst>
+                                    <p:cond delay="0"/>
+                                  </p:stCondLst>
+                                  <p:childTnLst>
+                                    <p:set>
+                                      <p:cBhvr>
+                                        <p:cTn id="38" dur="1" fill="hold">
+                                          <p:stCondLst>
+                                            <p:cond delay="0"/>
+                                          </p:stCondLst>
+                                        </p:cTn>
+                                        <p:tgtEl>
+                                          <p:spTgt spid="11"/>
+                                        </p:tgtEl>
+                                        <p:attrNameLst>
+                                          <p:attrName>style.visibility</p:attrName>
+                                        </p:attrNameLst>
+                                      </p:cBhvr>
+                                      <p:to>
+                                        <p:strVal val="hidden"/>
+                                      </p:to>
+                                    </p:set>
+                                  </p:childTnLst>
+                                </p:cTn>
+                              </p:par>
+                            </p:childTnLst>
+                          </p:cTn>
+                        </p:par>
+                        <p:par>
+                          <p:cTn id="39" fill="hold">
+                            <p:stCondLst>
+                              <p:cond delay="500"/>
+                            </p:stCondLst>
+                            <p:childTnLst>
+                              <p:par>
+                                <p:cTn id="40" presetID="10" presetClass="entr" presetSubtype="0" fill="hold" grpId="0" nodeType="afterEffect">
+                                  <p:stCondLst>
+                                    <p:cond delay="0"/>
+                                  </p:stCondLst>
+                                  <p:childTnLst>
+                                    <p:set>
+                                      <p:cBhvr>
+                                        <p:cTn id="41" dur="1" fill="hold">
+                                          <p:stCondLst>
+                                            <p:cond delay="0"/>
+                                          </p:stCondLst>
+                                        </p:cTn>
+                                        <p:tgtEl>
+                                          <p:spTgt spid="20"/>
+                                        </p:tgtEl>
+                                        <p:attrNameLst>
+                                          <p:attrName>style.visibility</p:attrName>
+                                        </p:attrNameLst>
+                                      </p:cBhvr>
+                                      <p:to>
+                                        <p:strVal val="visible"/>
+                                      </p:to>
+                                    </p:set>
+                                    <p:animEffect transition="in" filter="fade">
+                                      <p:cBhvr>
+                                        <p:cTn id="42" dur="10"/>
+                                        <p:tgtEl>
+                                          <p:spTgt spid="20"/>
+                                        </p:tgtEl>
+                                      </p:cBhvr>
+                                    </p:animEffect>
+                                  </p:childTnLst>
+                                </p:cTn>
+                              </p:par>
+                            </p:childTnLst>
+                          </p:cTn>
+                        </p:par>
+                        <p:par>
+                          <p:cTn id="43" fill="hold">
+                            <p:stCondLst>
+                              <p:cond delay="510"/>
+                            </p:stCondLst>
+                            <p:childTnLst>
+                              <p:par>
+                                <p:cTn id="44" presetID="10" presetClass="entr" presetSubtype="0" fill="hold" grpId="0" nodeType="afterEffect">
+                                  <p:stCondLst>
+                                    <p:cond delay="0"/>
+                                  </p:stCondLst>
+                                  <p:childTnLst>
+                                    <p:set>
+                                      <p:cBhvr>
+                                        <p:cTn id="45" dur="1" fill="hold">
+                                          <p:stCondLst>
+                                            <p:cond delay="0"/>
+                                          </p:stCondLst>
+                                        </p:cTn>
+                                        <p:tgtEl>
+                                          <p:spTgt spid="19"/>
+                                        </p:tgtEl>
+                                        <p:attrNameLst>
+                                          <p:attrName>style.visibility</p:attrName>
+                                        </p:attrNameLst>
+                                      </p:cBhvr>
+                                      <p:to>
+                                        <p:strVal val="visible"/>
+                                      </p:to>
+                                    </p:set>
+                                    <p:animEffect transition="in" filter="fade">
+                                      <p:cBhvr>
+                                        <p:cTn id="46" dur="10"/>
+                                        <p:tgtEl>
+                                          <p:spTgt spid="19"/>
+                                        </p:tgtEl>
+                                      </p:cBhvr>
+                                    </p:animEffect>
+                                  </p:childTnLst>
+                                </p:cTn>
+                              </p:par>
+                            </p:childTnLst>
+                          </p:cTn>
+                        </p:par>
+                      </p:childTnLst>
+                    </p:cTn>
+                  </p:par>
+                </p:childTnLst>
+              </p:cTn>
+              <p:prevCondLst>
+                <p:cond evt="onPrev" delay="0">
+                  <p:tgtEl>
+                    <p:sldTgt/>
+                  </p:tgtEl>
+                </p:cond>
+              </p:prevCondLst>
+              <p:nextCondLst>
+                <p:cond evt="onNext" delay="0">
+                  <p:tgtEl>
+                    <p:sldTgt/>
+                  </p:tgtEl>
+                </p:cond>
+              </p:nextCondLst>
+            </p:seq>
+          </p:childTnLst>
+        </p:cTn>
+      </p:par>
+    </p:tnLst>
+    <p:bldLst>
+      <p:bldP spid="11" grpId="0"/>
+      <p:bldP spid="11" grpId="1"/>
+      <p:bldP spid="12" grpId="0"/>
+      <p:bldP spid="17" grpId="0"/>
+      <p:bldP spid="18" grpId="0"/>
+      <p:bldP spid="19" grpId="0"/>
+      <p:bldP spid="20" grpId="0"/>
+    </p:bldLst>
+  </p:timing>
+</p:sld>
+</file>
+
+<file path=ppt/slides/slide7.xml><?xml version="1.0" encoding="utf-8"?>
+<p:sld xmlns:a="http://schemas.openxmlformats.org/drawingml/2006/main" xmlns:r="http://schemas.openxmlformats.org/officeDocument/2006/relationships" xmlns:p="http://schemas.openxmlformats.org/presentationml/2006/main">
+  <p:cSld>
+    <p:spTree>
+      <p:nvGrpSpPr>
+        <p:cNvPr id="1" name=""/>
+        <p:cNvGrpSpPr/>
+        <p:nvPr/>
+      </p:nvGrpSpPr>
+      <p:grpSpPr>
+        <a:xfrm>
+          <a:off x="0" y="0"/>
+          <a:ext cx="0" cy="0"/>
+          <a:chOff x="0" y="0"/>
+          <a:chExt cx="0" cy="0"/>
+        </a:xfrm>
+      </p:grpSpPr>
       <p:pic>
         <p:nvPicPr>
           <p:cNvPr id="3" name="図 2"/>
@@ -6939,73 +8495,6 @@
 </p:sld>
 </file>
 
-<file path=ppt/slides/slide7.xml><?xml version="1.0" encoding="utf-8"?>
-<p:sld xmlns:a="http://schemas.openxmlformats.org/drawingml/2006/main" xmlns:r="http://schemas.openxmlformats.org/officeDocument/2006/relationships" xmlns:p="http://schemas.openxmlformats.org/presentationml/2006/main">
-  <p:cSld>
-    <p:spTree>
-      <p:nvGrpSpPr>
-        <p:cNvPr id="1" name=""/>
-        <p:cNvGrpSpPr/>
-        <p:nvPr/>
-      </p:nvGrpSpPr>
-      <p:grpSpPr>
-        <a:xfrm>
-          <a:off x="0" y="0"/>
-          <a:ext cx="0" cy="0"/>
-          <a:chOff x="0" y="0"/>
-          <a:chExt cx="0" cy="0"/>
-        </a:xfrm>
-      </p:grpSpPr>
-      <p:sp>
-        <p:nvSpPr>
-          <p:cNvPr id="5" name="テキスト ボックス 4"/>
-          <p:cNvSpPr txBox="1"/>
-          <p:nvPr/>
-        </p:nvSpPr>
-        <p:spPr>
-          <a:xfrm>
-            <a:off x="1964098" y="2712182"/>
-            <a:ext cx="8263801" cy="1938992"/>
-          </a:xfrm>
-          <a:prstGeom prst="rect">
-            <a:avLst/>
-          </a:prstGeom>
-          <a:noFill/>
-        </p:spPr>
-        <p:txBody>
-          <a:bodyPr wrap="none" rtlCol="0">
-            <a:spAutoFit/>
-          </a:bodyPr>
-          <a:lstStyle/>
-          <a:p>
-            <a:pPr algn="ctr"/>
-            <a:r>
-              <a:rPr kumimoji="1" lang="ja-JP" altLang="en-US" sz="12000" b="1" spc="600" dirty="0">
-                <a:solidFill>
-                  <a:schemeClr val="bg1"/>
-                </a:solidFill>
-                <a:latin typeface="Yu Gothic" charset="-128"/>
-                <a:ea typeface="Yu Gothic" charset="-128"/>
-                <a:cs typeface="Yu Gothic" charset="-128"/>
-              </a:rPr>
-              <a:t>チーム発表</a:t>
-            </a:r>
-          </a:p>
-        </p:txBody>
-      </p:sp>
-    </p:spTree>
-    <p:extLst>
-      <p:ext uri="{BB962C8B-B14F-4D97-AF65-F5344CB8AC3E}">
-        <p14:creationId xmlns:p14="http://schemas.microsoft.com/office/powerpoint/2010/main" val="1419019255"/>
-      </p:ext>
-    </p:extLst>
-  </p:cSld>
-  <p:clrMapOvr>
-    <a:masterClrMapping/>
-  </p:clrMapOvr>
-</p:sld>
-</file>
-
 <file path=ppt/slides/slide8.xml><?xml version="1.0" encoding="utf-8"?>
 <p:sld xmlns:a="http://schemas.openxmlformats.org/drawingml/2006/main" xmlns:r="http://schemas.openxmlformats.org/officeDocument/2006/relationships" xmlns:p="http://schemas.openxmlformats.org/presentationml/2006/main">
   <p:cSld>
@@ -7031,8 +8520,8 @@
         </p:nvSpPr>
         <p:spPr>
           <a:xfrm>
-            <a:off x="348271" y="2712182"/>
-            <a:ext cx="11495455" cy="1938992"/>
+            <a:off x="1964098" y="2712182"/>
+            <a:ext cx="8263801" cy="1938992"/>
           </a:xfrm>
           <a:prstGeom prst="rect">
             <a:avLst/>
@@ -7055,7 +8544,7 @@
                 <a:ea typeface="Yu Gothic" charset="-128"/>
                 <a:cs typeface="Yu Gothic" charset="-128"/>
               </a:rPr>
-              <a:t>アイスブレイク</a:t>
+              <a:t>チーム発表</a:t>
             </a:r>
           </a:p>
         </p:txBody>
@@ -7063,7 +8552,7 @@
     </p:spTree>
     <p:extLst>
       <p:ext uri="{BB962C8B-B14F-4D97-AF65-F5344CB8AC3E}">
-        <p14:creationId xmlns:p14="http://schemas.microsoft.com/office/powerpoint/2010/main" val="19235491"/>
+        <p14:creationId xmlns:p14="http://schemas.microsoft.com/office/powerpoint/2010/main" val="1419019255"/>
       </p:ext>
     </p:extLst>
   </p:cSld>
@@ -7098,8 +8587,8 @@
         </p:nvSpPr>
         <p:spPr>
           <a:xfrm>
-            <a:off x="4618670" y="448594"/>
-            <a:ext cx="2954655" cy="1107996"/>
+            <a:off x="348271" y="2712182"/>
+            <a:ext cx="11495455" cy="1938992"/>
           </a:xfrm>
           <a:prstGeom prst="rect">
             <a:avLst/>
@@ -7114,7 +8603,7 @@
           <a:p>
             <a:pPr algn="ctr"/>
             <a:r>
-              <a:rPr kumimoji="1" lang="ja-JP" altLang="en-US" sz="6600" b="1" spc="600" dirty="0">
+              <a:rPr kumimoji="1" lang="ja-JP" altLang="en-US" sz="12000" b="1" spc="600" dirty="0">
                 <a:solidFill>
                   <a:schemeClr val="bg1"/>
                 </a:solidFill>
@@ -7122,184 +8611,15 @@
                 <a:ea typeface="Yu Gothic" charset="-128"/>
                 <a:cs typeface="Yu Gothic" charset="-128"/>
               </a:rPr>
-              <a:t>ルール</a:t>
-            </a:r>
-          </a:p>
-        </p:txBody>
-      </p:sp>
-      <p:sp>
-        <p:nvSpPr>
-          <p:cNvPr id="2" name="テキスト ボックス 1">
-            <a:extLst>
-              <a:ext uri="{FF2B5EF4-FFF2-40B4-BE49-F238E27FC236}">
-                <a16:creationId xmlns:a16="http://schemas.microsoft.com/office/drawing/2014/main" id="{D03B34FC-6D8D-41A8-BE8C-605B92D7F61C}"/>
-              </a:ext>
-            </a:extLst>
-          </p:cNvPr>
-          <p:cNvSpPr txBox="1"/>
-          <p:nvPr/>
-        </p:nvSpPr>
-        <p:spPr>
-          <a:xfrm>
-            <a:off x="1082485" y="1286435"/>
-            <a:ext cx="10027023" cy="4396845"/>
-          </a:xfrm>
-          <a:prstGeom prst="rect">
-            <a:avLst/>
-          </a:prstGeom>
-          <a:noFill/>
-        </p:spPr>
-        <p:txBody>
-          <a:bodyPr wrap="square" rtlCol="0">
-            <a:spAutoFit/>
-          </a:bodyPr>
-          <a:lstStyle/>
-          <a:p>
-            <a:pPr>
-              <a:lnSpc>
-                <a:spcPct val="200000"/>
-              </a:lnSpc>
-            </a:pPr>
-            <a:r>
-              <a:rPr kumimoji="1" lang="ja-JP" altLang="en-US" sz="4400" b="1" dirty="0">
-                <a:solidFill>
-                  <a:schemeClr val="bg1"/>
-                </a:solidFill>
-              </a:rPr>
-              <a:t>・持ち物は</a:t>
-            </a:r>
-            <a:r>
-              <a:rPr lang="en-US" altLang="ja-JP" sz="4400" b="1" dirty="0">
-                <a:solidFill>
-                  <a:schemeClr val="bg1"/>
-                </a:solidFill>
-              </a:rPr>
-              <a:t>B5</a:t>
-            </a:r>
-            <a:r>
-              <a:rPr kumimoji="1" lang="ja-JP" altLang="en-US" sz="4400" b="1" dirty="0">
-                <a:solidFill>
-                  <a:schemeClr val="bg1"/>
-                </a:solidFill>
-              </a:rPr>
-              <a:t>の紙</a:t>
-            </a:r>
-            <a:r>
-              <a:rPr kumimoji="1" lang="en-US" altLang="ja-JP" sz="4400" b="1" dirty="0">
-                <a:solidFill>
-                  <a:schemeClr val="bg1"/>
-                </a:solidFill>
-              </a:rPr>
-              <a:t>2</a:t>
-            </a:r>
-            <a:r>
-              <a:rPr kumimoji="1" lang="ja-JP" altLang="en-US" sz="4400" b="1" dirty="0">
-                <a:solidFill>
-                  <a:schemeClr val="bg1"/>
-                </a:solidFill>
-              </a:rPr>
-              <a:t>枚とドミノ</a:t>
-            </a:r>
-            <a:r>
-              <a:rPr lang="en-US" altLang="ja-JP" sz="4400" b="1" dirty="0">
-                <a:solidFill>
-                  <a:schemeClr val="bg1"/>
-                </a:solidFill>
-              </a:rPr>
-              <a:t>12</a:t>
-            </a:r>
-            <a:r>
-              <a:rPr kumimoji="1" lang="ja-JP" altLang="en-US" sz="4400" b="1" dirty="0">
-                <a:solidFill>
-                  <a:schemeClr val="bg1"/>
-                </a:solidFill>
-              </a:rPr>
-              <a:t>枚</a:t>
-            </a:r>
-            <a:endParaRPr lang="en-US" altLang="ja-JP" sz="4400" b="1" dirty="0">
-              <a:solidFill>
-                <a:schemeClr val="bg1"/>
-              </a:solidFill>
-            </a:endParaRPr>
-          </a:p>
-          <a:p>
-            <a:pPr>
-              <a:lnSpc>
-                <a:spcPct val="150000"/>
-              </a:lnSpc>
-            </a:pPr>
-            <a:r>
-              <a:rPr lang="ja-JP" altLang="en-US" sz="4400" b="1" dirty="0">
-                <a:solidFill>
-                  <a:schemeClr val="bg1"/>
-                </a:solidFill>
-              </a:rPr>
-              <a:t>・ドミノを高いところに維持したチームが勝ち。</a:t>
-            </a:r>
-            <a:endParaRPr lang="en-US" altLang="ja-JP" sz="4400" b="1" dirty="0">
-              <a:solidFill>
-                <a:schemeClr val="bg1"/>
-              </a:solidFill>
-            </a:endParaRPr>
-          </a:p>
-          <a:p>
-            <a:pPr>
-              <a:lnSpc>
-                <a:spcPct val="150000"/>
-              </a:lnSpc>
-            </a:pPr>
-            <a:r>
-              <a:rPr lang="ja-JP" altLang="en-US" sz="4400" b="1" dirty="0">
-                <a:solidFill>
-                  <a:schemeClr val="bg1"/>
-                </a:solidFill>
-              </a:rPr>
-              <a:t>・練習</a:t>
-            </a:r>
-            <a:r>
-              <a:rPr lang="en-US" altLang="ja-JP" sz="4400" b="1" dirty="0">
-                <a:solidFill>
-                  <a:schemeClr val="bg1"/>
-                </a:solidFill>
-              </a:rPr>
-              <a:t>3</a:t>
-            </a:r>
-            <a:r>
-              <a:rPr lang="ja-JP" altLang="en-US" sz="4400" b="1" dirty="0">
-                <a:solidFill>
-                  <a:schemeClr val="bg1"/>
-                </a:solidFill>
-              </a:rPr>
-              <a:t>分　本番</a:t>
-            </a:r>
-            <a:r>
-              <a:rPr lang="en-US" altLang="ja-JP" sz="4400" b="1" dirty="0">
-                <a:solidFill>
-                  <a:schemeClr val="bg1"/>
-                </a:solidFill>
-              </a:rPr>
-              <a:t>1</a:t>
-            </a:r>
-            <a:r>
-              <a:rPr lang="ja-JP" altLang="en-US" sz="4400" b="1" dirty="0">
-                <a:solidFill>
-                  <a:schemeClr val="bg1"/>
-                </a:solidFill>
-              </a:rPr>
-              <a:t>分</a:t>
-            </a:r>
-            <a:endParaRPr lang="en-US" altLang="ja-JP" sz="4400" b="1" dirty="0">
-              <a:solidFill>
-                <a:schemeClr val="bg1"/>
-              </a:solidFill>
-            </a:endParaRPr>
+              <a:t>アイスブレイク</a:t>
+            </a:r>
           </a:p>
         </p:txBody>
       </p:sp>
     </p:spTree>
     <p:extLst>
       <p:ext uri="{BB962C8B-B14F-4D97-AF65-F5344CB8AC3E}">
-        <p14:creationId xmlns:p14="http://schemas.microsoft.com/office/powerpoint/2010/main" val="615149271"/>
+        <p14:creationId xmlns:p14="http://schemas.microsoft.com/office/powerpoint/2010/main" val="19235491"/>
       </p:ext>
     </p:extLst>
   </p:cSld>

--- a/jackhack2019_opening.pptx
+++ b/jackhack2019_opening.pptx
@@ -209,7 +209,7 @@
           <a:p>
             <a:fld id="{044E776A-FE8C-FF46-A874-CC3A365D9B18}" type="datetimeFigureOut">
               <a:rPr kumimoji="1" lang="ja-JP" altLang="en-US" smtClean="0"/>
-              <a:t>2019/5/1</a:t>
+              <a:t>2019/5/2</a:t>
             </a:fld>
             <a:endParaRPr kumimoji="1" lang="ja-JP" altLang="en-US"/>
           </a:p>
@@ -721,7 +721,7 @@
           <a:p>
             <a:fld id="{A544B129-325A-4648-B080-F98DADD1A2A8}" type="datetimeFigureOut">
               <a:rPr kumimoji="1" lang="ja-JP" altLang="en-US" smtClean="0"/>
-              <a:t>2019/5/1</a:t>
+              <a:t>2019/5/2</a:t>
             </a:fld>
             <a:endParaRPr kumimoji="1" lang="ja-JP" altLang="en-US"/>
           </a:p>
@@ -921,7 +921,7 @@
           <a:p>
             <a:fld id="{A544B129-325A-4648-B080-F98DADD1A2A8}" type="datetimeFigureOut">
               <a:rPr kumimoji="1" lang="ja-JP" altLang="en-US" smtClean="0"/>
-              <a:t>2019/5/1</a:t>
+              <a:t>2019/5/2</a:t>
             </a:fld>
             <a:endParaRPr kumimoji="1" lang="ja-JP" altLang="en-US"/>
           </a:p>
@@ -1131,7 +1131,7 @@
           <a:p>
             <a:fld id="{A544B129-325A-4648-B080-F98DADD1A2A8}" type="datetimeFigureOut">
               <a:rPr kumimoji="1" lang="ja-JP" altLang="en-US" smtClean="0"/>
-              <a:t>2019/5/1</a:t>
+              <a:t>2019/5/2</a:t>
             </a:fld>
             <a:endParaRPr kumimoji="1" lang="ja-JP" altLang="en-US"/>
           </a:p>
@@ -1331,7 +1331,7 @@
           <a:p>
             <a:fld id="{A544B129-325A-4648-B080-F98DADD1A2A8}" type="datetimeFigureOut">
               <a:rPr kumimoji="1" lang="ja-JP" altLang="en-US" smtClean="0"/>
-              <a:t>2019/5/1</a:t>
+              <a:t>2019/5/2</a:t>
             </a:fld>
             <a:endParaRPr kumimoji="1" lang="ja-JP" altLang="en-US"/>
           </a:p>
@@ -1576,7 +1576,7 @@
           <a:p>
             <a:fld id="{A544B129-325A-4648-B080-F98DADD1A2A8}" type="datetimeFigureOut">
               <a:rPr kumimoji="1" lang="ja-JP" altLang="en-US" smtClean="0"/>
-              <a:t>2019/5/1</a:t>
+              <a:t>2019/5/2</a:t>
             </a:fld>
             <a:endParaRPr kumimoji="1" lang="ja-JP" altLang="en-US"/>
           </a:p>
@@ -1869,7 +1869,7 @@
           <a:p>
             <a:fld id="{A544B129-325A-4648-B080-F98DADD1A2A8}" type="datetimeFigureOut">
               <a:rPr kumimoji="1" lang="ja-JP" altLang="en-US" smtClean="0"/>
-              <a:t>2019/5/1</a:t>
+              <a:t>2019/5/2</a:t>
             </a:fld>
             <a:endParaRPr kumimoji="1" lang="ja-JP" altLang="en-US"/>
           </a:p>
@@ -2297,7 +2297,7 @@
           <a:p>
             <a:fld id="{A544B129-325A-4648-B080-F98DADD1A2A8}" type="datetimeFigureOut">
               <a:rPr kumimoji="1" lang="ja-JP" altLang="en-US" smtClean="0"/>
-              <a:t>2019/5/1</a:t>
+              <a:t>2019/5/2</a:t>
             </a:fld>
             <a:endParaRPr kumimoji="1" lang="ja-JP" altLang="en-US"/>
           </a:p>
@@ -2414,7 +2414,7 @@
           <a:p>
             <a:fld id="{A544B129-325A-4648-B080-F98DADD1A2A8}" type="datetimeFigureOut">
               <a:rPr kumimoji="1" lang="ja-JP" altLang="en-US" smtClean="0"/>
-              <a:t>2019/5/1</a:t>
+              <a:t>2019/5/2</a:t>
             </a:fld>
             <a:endParaRPr kumimoji="1" lang="ja-JP" altLang="en-US"/>
           </a:p>
@@ -2509,7 +2509,7 @@
           <a:p>
             <a:fld id="{A544B129-325A-4648-B080-F98DADD1A2A8}" type="datetimeFigureOut">
               <a:rPr kumimoji="1" lang="ja-JP" altLang="en-US" smtClean="0"/>
-              <a:t>2019/5/1</a:t>
+              <a:t>2019/5/2</a:t>
             </a:fld>
             <a:endParaRPr kumimoji="1" lang="ja-JP" altLang="en-US"/>
           </a:p>
@@ -2816,7 +2816,7 @@
           <a:p>
             <a:fld id="{A544B129-325A-4648-B080-F98DADD1A2A8}" type="datetimeFigureOut">
               <a:rPr kumimoji="1" lang="ja-JP" altLang="en-US" smtClean="0"/>
-              <a:t>2019/5/1</a:t>
+              <a:t>2019/5/2</a:t>
             </a:fld>
             <a:endParaRPr kumimoji="1" lang="ja-JP" altLang="en-US"/>
           </a:p>
@@ -3068,7 +3068,7 @@
           <a:p>
             <a:fld id="{A544B129-325A-4648-B080-F98DADD1A2A8}" type="datetimeFigureOut">
               <a:rPr kumimoji="1" lang="ja-JP" altLang="en-US" smtClean="0"/>
-              <a:t>2019/5/1</a:t>
+              <a:t>2019/5/2</a:t>
             </a:fld>
             <a:endParaRPr kumimoji="1" lang="ja-JP" altLang="en-US"/>
           </a:p>
@@ -3317,7 +3317,7 @@
           <a:p>
             <a:fld id="{A544B129-325A-4648-B080-F98DADD1A2A8}" type="datetimeFigureOut">
               <a:rPr kumimoji="1" lang="ja-JP" altLang="en-US" smtClean="0"/>
-              <a:t>2019/5/1</a:t>
+              <a:t>2019/5/2</a:t>
             </a:fld>
             <a:endParaRPr kumimoji="1" lang="ja-JP" altLang="en-US"/>
           </a:p>
@@ -3996,7 +3996,7 @@
                   <a:schemeClr val="bg1"/>
                 </a:solidFill>
               </a:rPr>
-              <a:t>・ドミノを高いところに維持したチームが勝ち。</a:t>
+              <a:t>・タワーを組み、ドミノを高いところに維持したチームが勝ち。</a:t>
             </a:r>
             <a:endParaRPr lang="en-US" altLang="ja-JP" sz="4400" b="1" dirty="0">
               <a:solidFill>
@@ -4123,7 +4123,7 @@
           <p:nvPr>
             <p:extLst>
               <p:ext uri="{D42A27DB-BD31-4B8C-83A1-F6EECF244321}">
-                <p14:modId xmlns:p14="http://schemas.microsoft.com/office/powerpoint/2010/main" val="3854641504"/>
+                <p14:modId xmlns:p14="http://schemas.microsoft.com/office/powerpoint/2010/main" val="3936858222"/>
               </p:ext>
             </p:extLst>
           </p:nvPr>
@@ -4343,7 +4343,7 @@
                     <a:p>
                       <a:pPr algn="ctr"/>
                       <a:r>
-                        <a:rPr kumimoji="1" lang="en-US" altLang="ja-JP" sz="3200" b="0" i="0" spc="300" dirty="0">
+                        <a:rPr kumimoji="1" lang="en-US" altLang="ja-JP" sz="3200" b="0" i="0" spc="300">
                           <a:solidFill>
                             <a:schemeClr val="tx1">
                               <a:lumMod val="75000"/>
